--- a/doc.pptx
+++ b/doc.pptx
@@ -20,7 +20,10 @@
     <p:sldId id="274" r:id="rId15"/>
     <p:sldId id="276" r:id="rId16"/>
     <p:sldId id="277" r:id="rId17"/>
-    <p:sldId id="263" r:id="rId18"/>
+    <p:sldId id="279" r:id="rId18"/>
+    <p:sldId id="280" r:id="rId19"/>
+    <p:sldId id="281" r:id="rId20"/>
+    <p:sldId id="263" r:id="rId21"/>
   </p:sldIdLst>
   <p:sldSz cx="12192000" cy="6858000"/>
   <p:notesSz cx="6858000" cy="9144000"/>
@@ -3174,10 +3177,10 @@
           <a:bodyPr/>
           <a:p>
             <a:r>
-              <a:rPr lang="zh-CN" altLang="en-US"/>
+              <a:rPr lang="zh-CN" altLang="en-US" sz="4000"/>
               <a:t>图片的缓存</a:t>
             </a:r>
-            <a:endParaRPr lang="zh-CN" altLang="en-US"/>
+            <a:endParaRPr lang="zh-CN" altLang="en-US" sz="4000"/>
           </a:p>
         </p:txBody>
       </p:sp>
@@ -3301,14 +3304,10 @@
           <a:bodyPr/>
           <a:p>
             <a:r>
-              <a:rPr lang="en-US" altLang="zh-CN"/>
-              <a:t>ImageLoader</a:t>
-            </a:r>
-            <a:r>
-              <a:rPr lang="zh-CN" altLang="en-US"/>
-              <a:t>的单例实现</a:t>
-            </a:r>
-            <a:endParaRPr lang="zh-CN" altLang="en-US"/>
+              <a:rPr lang="zh-CN" altLang="en-US" sz="4000"/>
+              <a:t>ImageLoader的单例实现</a:t>
+            </a:r>
+            <a:endParaRPr lang="zh-CN" altLang="en-US" sz="4000"/>
           </a:p>
         </p:txBody>
       </p:sp>
@@ -3364,23 +3363,24 @@
             <p:ph type="title"/>
           </p:nvPr>
         </p:nvSpPr>
-        <p:spPr/>
-        <p:txBody>
-          <a:bodyPr/>
-          <a:p>
-            <a:r>
-              <a:rPr lang="en-US" altLang="zh-CN"/>
+        <p:spPr>
+          <a:xfrm>
+            <a:off x="838200" y="365125"/>
+            <a:ext cx="5709920" cy="1043940"/>
+          </a:xfrm>
+        </p:spPr>
+        <p:txBody>
+          <a:bodyPr/>
+          <a:p>
+            <a:r>
+              <a:rPr lang="en-US" altLang="zh-CN" sz="4000"/>
               <a:t>ImageLoader</a:t>
             </a:r>
             <a:r>
-              <a:rPr lang="zh-CN" altLang="en-US"/>
-              <a:t>的图片</a:t>
-            </a:r>
-            <a:r>
-              <a:rPr lang="zh-CN" altLang="en-US"/>
-              <a:t>缓存</a:t>
-            </a:r>
-            <a:endParaRPr lang="zh-CN" altLang="en-US"/>
+              <a:rPr lang="zh-CN" altLang="en-US" sz="4000"/>
+              <a:t>的图片缓存</a:t>
+            </a:r>
+            <a:endParaRPr lang="zh-CN" altLang="en-US" sz="4000"/>
           </a:p>
         </p:txBody>
       </p:sp>
@@ -3400,7 +3400,7 @@
         </p:blipFill>
         <p:spPr>
           <a:xfrm>
-            <a:off x="2346960" y="1691005"/>
+            <a:off x="1116330" y="1409065"/>
             <a:ext cx="6654800" cy="4241165"/>
           </a:xfrm>
           <a:prstGeom prst="rect">
@@ -3408,11 +3408,212 @@
           </a:prstGeom>
         </p:spPr>
       </p:pic>
+      <p:pic>
+        <p:nvPicPr>
+          <p:cNvPr id="9" name="图片 8" descr="选区_022"/>
+          <p:cNvPicPr>
+            <a:picLocks noChangeAspect="1"/>
+          </p:cNvPicPr>
+          <p:nvPr/>
+        </p:nvPicPr>
+        <p:blipFill>
+          <a:blip r:embed="rId2"/>
+          <a:stretch>
+            <a:fillRect/>
+          </a:stretch>
+        </p:blipFill>
+        <p:spPr>
+          <a:xfrm>
+            <a:off x="8363585" y="365125"/>
+            <a:ext cx="2291715" cy="5906770"/>
+          </a:xfrm>
+          <a:prstGeom prst="rect">
+            <a:avLst/>
+          </a:prstGeom>
+        </p:spPr>
+      </p:pic>
+      <p:sp>
+        <p:nvSpPr>
+          <p:cNvPr id="10" name="文本框 9"/>
+          <p:cNvSpPr txBox="1"/>
+          <p:nvPr/>
+        </p:nvSpPr>
+        <p:spPr>
+          <a:xfrm>
+            <a:off x="1534795" y="5903595"/>
+            <a:ext cx="5817870" cy="368300"/>
+          </a:xfrm>
+          <a:prstGeom prst="rect">
+            <a:avLst/>
+          </a:prstGeom>
+          <a:noFill/>
+        </p:spPr>
+        <p:txBody>
+          <a:bodyPr wrap="square" rtlCol="0">
+            <a:spAutoFit/>
+          </a:bodyPr>
+          <a:p>
+            <a:pPr algn="ctr"/>
+            <a:r>
+              <a:rPr lang="zh-CN" altLang="en-US"/>
+              <a:t> </a:t>
+            </a:r>
+            <a:r>
+              <a:rPr lang="en-US" altLang="zh-CN"/>
+              <a:t> </a:t>
+            </a:r>
+            <a:r>
+              <a:rPr lang="zh-CN" altLang="en-US"/>
+              <a:t>Executors.newFixedThreadPool</a:t>
+            </a:r>
+            <a:endParaRPr lang="zh-CN" altLang="en-US"/>
+          </a:p>
+        </p:txBody>
+      </p:sp>
     </p:spTree>
   </p:cSld>
   <p:clrMapOvr>
     <a:masterClrMapping/>
   </p:clrMapOvr>
+  <p:timing>
+    <p:tnLst>
+      <p:par>
+        <p:cTn id="1" dur="indefinite" restart="never" nodeType="tmRoot">
+          <p:childTnLst>
+            <p:seq concurrent="1" nextAc="seek">
+              <p:cTn id="2" dur="indefinite" nodeType="mainSeq">
+                <p:childTnLst>
+                  <p:par>
+                    <p:cTn id="3" fill="hold">
+                      <p:stCondLst>
+                        <p:cond delay="indefinite"/>
+                      </p:stCondLst>
+                      <p:childTnLst>
+                        <p:par>
+                          <p:cTn id="4" fill="hold">
+                            <p:stCondLst>
+                              <p:cond delay="0"/>
+                            </p:stCondLst>
+                            <p:childTnLst>
+                              <p:par>
+                                <p:cTn id="5" presetID="3" presetClass="entr" presetSubtype="10" fill="hold" nodeType="clickEffect">
+                                  <p:stCondLst>
+                                    <p:cond delay="0"/>
+                                  </p:stCondLst>
+                                  <p:childTnLst>
+                                    <p:set>
+                                      <p:cBhvr>
+                                        <p:cTn id="6" dur="1" fill="hold">
+                                          <p:stCondLst>
+                                            <p:cond delay="0"/>
+                                          </p:stCondLst>
+                                        </p:cTn>
+                                        <p:tgtEl>
+                                          <p:spTgt spid="9"/>
+                                        </p:tgtEl>
+                                        <p:attrNameLst>
+                                          <p:attrName>style.visibility</p:attrName>
+                                        </p:attrNameLst>
+                                      </p:cBhvr>
+                                      <p:to>
+                                        <p:strVal val="visible"/>
+                                      </p:to>
+                                    </p:set>
+                                    <p:animEffect transition="in" filter="blinds(horizontal)">
+                                      <p:cBhvr>
+                                        <p:cTn id="7" dur="500"/>
+                                        <p:tgtEl>
+                                          <p:spTgt spid="9"/>
+                                        </p:tgtEl>
+                                      </p:cBhvr>
+                                    </p:animEffect>
+                                  </p:childTnLst>
+                                </p:cTn>
+                              </p:par>
+                            </p:childTnLst>
+                          </p:cTn>
+                        </p:par>
+                      </p:childTnLst>
+                    </p:cTn>
+                  </p:par>
+                  <p:par>
+                    <p:cTn id="8" fill="hold">
+                      <p:stCondLst>
+                        <p:cond delay="indefinite"/>
+                      </p:stCondLst>
+                      <p:childTnLst>
+                        <p:par>
+                          <p:cTn id="9" fill="hold">
+                            <p:stCondLst>
+                              <p:cond delay="0"/>
+                            </p:stCondLst>
+                            <p:childTnLst>
+                              <p:par>
+                                <p:cTn id="10" presetID="3" presetClass="entr" presetSubtype="10" fill="hold" grpId="0" nodeType="clickEffect">
+                                  <p:stCondLst>
+                                    <p:cond delay="0"/>
+                                  </p:stCondLst>
+                                  <p:childTnLst>
+                                    <p:set>
+                                      <p:cBhvr>
+                                        <p:cTn id="11" dur="1" fill="hold">
+                                          <p:stCondLst>
+                                            <p:cond delay="0"/>
+                                          </p:stCondLst>
+                                        </p:cTn>
+                                        <p:tgtEl>
+                                          <p:spTgt spid="10"/>
+                                        </p:tgtEl>
+                                        <p:attrNameLst>
+                                          <p:attrName>style.visibility</p:attrName>
+                                        </p:attrNameLst>
+                                      </p:cBhvr>
+                                      <p:to>
+                                        <p:strVal val="visible"/>
+                                      </p:to>
+                                    </p:set>
+                                    <p:animEffect transition="in" filter="blinds(horizontal)">
+                                      <p:cBhvr>
+                                        <p:cTn id="12" dur="500"/>
+                                        <p:tgtEl>
+                                          <p:spTgt spid="10"/>
+                                        </p:tgtEl>
+                                      </p:cBhvr>
+                                    </p:animEffect>
+                                  </p:childTnLst>
+                                </p:cTn>
+                              </p:par>
+                            </p:childTnLst>
+                          </p:cTn>
+                        </p:par>
+                      </p:childTnLst>
+                    </p:cTn>
+                  </p:par>
+                </p:childTnLst>
+              </p:cTn>
+              <p:prevCondLst>
+                <p:cond evt="onPrev" delay="0">
+                  <p:tgtEl>
+                    <p:sldTgt/>
+                  </p:tgtEl>
+                </p:cond>
+              </p:prevCondLst>
+              <p:nextCondLst>
+                <p:cond evt="onNext" delay="0">
+                  <p:tgtEl>
+                    <p:sldTgt/>
+                  </p:tgtEl>
+                </p:cond>
+              </p:nextCondLst>
+            </p:seq>
+          </p:childTnLst>
+        </p:cTn>
+      </p:par>
+    </p:tnLst>
+    <p:bldLst>
+      <p:bldP spid="10" grpId="0"/>
+    </p:bldLst>
+  </p:timing>
 </p:sld>
 </file>
 
@@ -3478,21 +3679,26 @@
             <p:ph type="title"/>
           </p:nvPr>
         </p:nvSpPr>
-        <p:spPr/>
-        <p:txBody>
-          <a:bodyPr/>
-          <a:p>
-            <a:r>
-              <a:rPr lang="zh-CN" altLang="en-US"/>
+        <p:spPr>
+          <a:xfrm>
+            <a:off x="838200" y="365125"/>
+            <a:ext cx="10515600" cy="975995"/>
+          </a:xfrm>
+        </p:spPr>
+        <p:txBody>
+          <a:bodyPr/>
+          <a:p>
+            <a:r>
+              <a:rPr lang="zh-CN" altLang="en-US" sz="4000"/>
               <a:t>获取缩略图</a:t>
             </a:r>
-            <a:endParaRPr lang="zh-CN" altLang="en-US"/>
+            <a:endParaRPr lang="zh-CN" altLang="en-US" sz="4000"/>
           </a:p>
         </p:txBody>
       </p:sp>
       <p:pic>
         <p:nvPicPr>
-          <p:cNvPr id="4" name="图片 3" descr="选区_016"/>
+          <p:cNvPr id="3" name="图片 2" descr="选区_018"/>
           <p:cNvPicPr>
             <a:picLocks noChangeAspect="1"/>
           </p:cNvPicPr>
@@ -3506,8 +3712,8 @@
         </p:blipFill>
         <p:spPr>
           <a:xfrm>
-            <a:off x="1263650" y="1522095"/>
-            <a:ext cx="9457055" cy="4435475"/>
+            <a:off x="1405255" y="1439545"/>
+            <a:ext cx="9380855" cy="4418965"/>
           </a:xfrm>
           <a:prstGeom prst="rect">
             <a:avLst/>
@@ -3590,6 +3796,331 @@
         </p:nvSpPr>
         <p:spPr>
           <a:xfrm>
+            <a:off x="838200" y="416560"/>
+            <a:ext cx="10515600" cy="743585"/>
+          </a:xfrm>
+        </p:spPr>
+        <p:txBody>
+          <a:bodyPr>
+            <a:normAutofit fontScale="90000"/>
+          </a:bodyPr>
+          <a:p>
+            <a:r>
+              <a:rPr lang="zh-CN" altLang="zh-CN"/>
+              <a:t>关于</a:t>
+            </a:r>
+            <a:r>
+              <a:rPr lang="en-US" altLang="zh-CN"/>
+              <a:t>MVP</a:t>
+            </a:r>
+            <a:r>
+              <a:rPr lang="zh-CN" altLang="en-US"/>
+              <a:t>的一些思考</a:t>
+            </a:r>
+            <a:endParaRPr lang="zh-CN" altLang="en-US"/>
+          </a:p>
+        </p:txBody>
+      </p:sp>
+      <p:sp>
+        <p:nvSpPr>
+          <p:cNvPr id="4" name="文本占位符 3"/>
+          <p:cNvSpPr/>
+          <p:nvPr>
+            <p:ph type="body" idx="1"/>
+          </p:nvPr>
+        </p:nvSpPr>
+        <p:spPr>
+          <a:xfrm>
+            <a:off x="838200" y="1384935"/>
+            <a:ext cx="10515600" cy="2421890"/>
+          </a:xfrm>
+        </p:spPr>
+        <p:txBody>
+          <a:bodyPr/>
+          <a:p>
+            <a:endParaRPr lang="zh-CN" altLang="en-US"/>
+          </a:p>
+          <a:p>
+            <a:r>
+              <a:rPr lang="en-US" altLang="zh-CN">
+                <a:sym typeface="+mn-ea"/>
+              </a:rPr>
+              <a:t>Model</a:t>
+            </a:r>
+            <a:r>
+              <a:rPr lang="zh-CN" altLang="en-US">
+                <a:sym typeface="+mn-ea"/>
+              </a:rPr>
+              <a:t>经常是耗时性的操作，而</a:t>
+            </a:r>
+            <a:r>
+              <a:rPr lang="en-US" altLang="zh-CN">
+                <a:sym typeface="+mn-ea"/>
+              </a:rPr>
+              <a:t>Presenter</a:t>
+            </a:r>
+            <a:r>
+              <a:rPr lang="zh-CN" altLang="en-US">
+                <a:sym typeface="+mn-ea"/>
+              </a:rPr>
+              <a:t>强引用了</a:t>
+            </a:r>
+            <a:r>
+              <a:rPr lang="en-US" altLang="zh-CN">
+                <a:sym typeface="+mn-ea"/>
+              </a:rPr>
+              <a:t>View</a:t>
+            </a:r>
+            <a:r>
+              <a:rPr lang="zh-CN" altLang="en-US">
+                <a:sym typeface="+mn-ea"/>
+              </a:rPr>
+              <a:t>，如果在数据请求结束之前</a:t>
+            </a:r>
+            <a:r>
+              <a:rPr lang="en-US" altLang="zh-CN">
+                <a:sym typeface="+mn-ea"/>
+              </a:rPr>
+              <a:t>View</a:t>
+            </a:r>
+            <a:r>
+              <a:rPr lang="zh-CN" altLang="en-US">
+                <a:sym typeface="+mn-ea"/>
+              </a:rPr>
+              <a:t>被销毁了，</a:t>
+            </a:r>
+            <a:r>
+              <a:rPr lang="en-US" altLang="zh-CN">
+                <a:sym typeface="+mn-ea"/>
+              </a:rPr>
+              <a:t>Presenter</a:t>
+            </a:r>
+            <a:r>
+              <a:rPr lang="zh-CN" altLang="en-US">
+                <a:sym typeface="+mn-ea"/>
+              </a:rPr>
+              <a:t>还持有着</a:t>
+            </a:r>
+            <a:r>
+              <a:rPr lang="en-US" altLang="zh-CN">
+                <a:sym typeface="+mn-ea"/>
+              </a:rPr>
+              <a:t>View</a:t>
+            </a:r>
+            <a:r>
+              <a:rPr lang="zh-CN" altLang="en-US">
+                <a:sym typeface="+mn-ea"/>
+              </a:rPr>
+              <a:t>的对象，使得</a:t>
+            </a:r>
+            <a:r>
+              <a:rPr lang="en-US" altLang="zh-CN">
+                <a:sym typeface="+mn-ea"/>
+              </a:rPr>
+              <a:t>View</a:t>
+            </a:r>
+            <a:r>
+              <a:rPr lang="zh-CN" altLang="en-US">
+                <a:sym typeface="+mn-ea"/>
+              </a:rPr>
+              <a:t>对象无法回收，此时就会发生内存泄露</a:t>
+            </a:r>
+            <a:endParaRPr lang="zh-CN" altLang="en-US"/>
+          </a:p>
+        </p:txBody>
+      </p:sp>
+    </p:spTree>
+  </p:cSld>
+  <p:clrMapOvr>
+    <a:masterClrMapping/>
+  </p:clrMapOvr>
+</p:sld>
+</file>
+
+<file path=ppt/slides/slide17.xml><?xml version="1.0" encoding="utf-8"?>
+<p:sld xmlns:a="http://schemas.openxmlformats.org/drawingml/2006/main" xmlns:r="http://schemas.openxmlformats.org/officeDocument/2006/relationships" xmlns:p="http://schemas.openxmlformats.org/presentationml/2006/main">
+  <p:cSld>
+    <p:spTree>
+      <p:nvGrpSpPr>
+        <p:cNvPr id="1" name=""/>
+        <p:cNvGrpSpPr/>
+        <p:nvPr/>
+      </p:nvGrpSpPr>
+      <p:grpSpPr/>
+      <p:pic>
+        <p:nvPicPr>
+          <p:cNvPr id="4" name="图片 3" descr="选区_023"/>
+          <p:cNvPicPr>
+            <a:picLocks noChangeAspect="1"/>
+          </p:cNvPicPr>
+          <p:nvPr/>
+        </p:nvPicPr>
+        <p:blipFill>
+          <a:blip r:embed="rId1"/>
+          <a:stretch>
+            <a:fillRect/>
+          </a:stretch>
+        </p:blipFill>
+        <p:spPr>
+          <a:xfrm>
+            <a:off x="1775460" y="2157095"/>
+            <a:ext cx="8640445" cy="3372485"/>
+          </a:xfrm>
+          <a:prstGeom prst="rect">
+            <a:avLst/>
+          </a:prstGeom>
+        </p:spPr>
+      </p:pic>
+      <p:sp>
+        <p:nvSpPr>
+          <p:cNvPr id="5" name="文本框 4"/>
+          <p:cNvSpPr txBox="1"/>
+          <p:nvPr/>
+        </p:nvSpPr>
+        <p:spPr>
+          <a:xfrm>
+            <a:off x="957580" y="409575"/>
+            <a:ext cx="7514590" cy="701040"/>
+          </a:xfrm>
+          <a:prstGeom prst="rect">
+            <a:avLst/>
+          </a:prstGeom>
+          <a:noFill/>
+        </p:spPr>
+        <p:txBody>
+          <a:bodyPr wrap="square" rtlCol="0">
+            <a:spAutoFit/>
+          </a:bodyPr>
+          <a:p>
+            <a:r>
+              <a:rPr lang="zh-CN" altLang="en-US" sz="4000"/>
+              <a:t>解决方案</a:t>
+            </a:r>
+            <a:endParaRPr lang="zh-CN" altLang="en-US" sz="4000"/>
+          </a:p>
+        </p:txBody>
+      </p:sp>
+      <p:sp>
+        <p:nvSpPr>
+          <p:cNvPr id="6" name="文本框 5"/>
+          <p:cNvSpPr txBox="1"/>
+          <p:nvPr/>
+        </p:nvSpPr>
+        <p:spPr>
+          <a:xfrm>
+            <a:off x="1294765" y="1316355"/>
+            <a:ext cx="7903210" cy="368300"/>
+          </a:xfrm>
+          <a:prstGeom prst="rect">
+            <a:avLst/>
+          </a:prstGeom>
+          <a:noFill/>
+        </p:spPr>
+        <p:txBody>
+          <a:bodyPr wrap="square" rtlCol="0">
+            <a:spAutoFit/>
+          </a:bodyPr>
+          <a:p>
+            <a:r>
+              <a:rPr lang="en-US" altLang="zh-CN"/>
+              <a:t>Presenter</a:t>
+            </a:r>
+            <a:r>
+              <a:rPr lang="zh-CN" altLang="en-US"/>
+              <a:t>通过弱引用来解决</a:t>
+            </a:r>
+            <a:r>
+              <a:rPr lang="en-US" altLang="zh-CN"/>
+              <a:t>Activity</a:t>
+            </a:r>
+            <a:r>
+              <a:rPr lang="zh-CN" altLang="en-US"/>
+              <a:t>、</a:t>
+            </a:r>
+            <a:r>
+              <a:rPr lang="en-US" altLang="zh-CN"/>
+              <a:t>Fragmet</a:t>
+            </a:r>
+            <a:r>
+              <a:rPr lang="zh-CN" altLang="en-US"/>
+              <a:t>的生命周期问题</a:t>
+            </a:r>
+            <a:endParaRPr lang="zh-CN" altLang="en-US"/>
+          </a:p>
+        </p:txBody>
+      </p:sp>
+    </p:spTree>
+  </p:cSld>
+  <p:clrMapOvr>
+    <a:masterClrMapping/>
+  </p:clrMapOvr>
+</p:sld>
+</file>
+
+<file path=ppt/slides/slide18.xml><?xml version="1.0" encoding="utf-8"?>
+<p:sld xmlns:a="http://schemas.openxmlformats.org/drawingml/2006/main" xmlns:r="http://schemas.openxmlformats.org/officeDocument/2006/relationships" xmlns:p="http://schemas.openxmlformats.org/presentationml/2006/main">
+  <p:cSld>
+    <p:spTree>
+      <p:nvGrpSpPr>
+        <p:cNvPr id="1" name=""/>
+        <p:cNvGrpSpPr/>
+        <p:nvPr/>
+      </p:nvGrpSpPr>
+      <p:grpSpPr/>
+      <p:pic>
+        <p:nvPicPr>
+          <p:cNvPr id="4" name="图片 3" descr="选区_024"/>
+          <p:cNvPicPr>
+            <a:picLocks noChangeAspect="1"/>
+          </p:cNvPicPr>
+          <p:nvPr/>
+        </p:nvPicPr>
+        <p:blipFill>
+          <a:blip r:embed="rId1"/>
+          <a:stretch>
+            <a:fillRect/>
+          </a:stretch>
+        </p:blipFill>
+        <p:spPr>
+          <a:xfrm>
+            <a:off x="1886585" y="1350645"/>
+            <a:ext cx="8909685" cy="4078605"/>
+          </a:xfrm>
+          <a:prstGeom prst="rect">
+            <a:avLst/>
+          </a:prstGeom>
+        </p:spPr>
+      </p:pic>
+    </p:spTree>
+  </p:cSld>
+  <p:clrMapOvr>
+    <a:masterClrMapping/>
+  </p:clrMapOvr>
+</p:sld>
+</file>
+
+<file path=ppt/slides/slide19.xml><?xml version="1.0" encoding="utf-8"?>
+<p:sld xmlns:a="http://schemas.openxmlformats.org/drawingml/2006/main" xmlns:r="http://schemas.openxmlformats.org/officeDocument/2006/relationships" xmlns:p="http://schemas.openxmlformats.org/presentationml/2006/main">
+  <p:cSld>
+    <p:spTree>
+      <p:nvGrpSpPr>
+        <p:cNvPr id="1" name=""/>
+        <p:cNvGrpSpPr/>
+        <p:nvPr/>
+      </p:nvGrpSpPr>
+      <p:grpSpPr/>
+      <p:sp>
+        <p:nvSpPr>
+          <p:cNvPr id="2" name="标题 1"/>
+          <p:cNvSpPr>
+            <a:spLocks noGrp="1"/>
+          </p:cNvSpPr>
+          <p:nvPr>
+            <p:ph type="title"/>
+          </p:nvPr>
+        </p:nvSpPr>
+        <p:spPr>
+          <a:xfrm>
             <a:off x="812800" y="2735580"/>
             <a:ext cx="10515600" cy="1325563"/>
           </a:xfrm>
@@ -3639,10 +4170,10 @@
           <a:bodyPr/>
           <a:p>
             <a:r>
-              <a:rPr lang="zh-CN" altLang="en-US"/>
+              <a:rPr lang="zh-CN" altLang="en-US" sz="4000"/>
               <a:t>学习内容</a:t>
             </a:r>
-            <a:endParaRPr lang="zh-CN" altLang="en-US"/>
+            <a:endParaRPr lang="zh-CN" altLang="en-US" sz="4000"/>
           </a:p>
         </p:txBody>
       </p:sp>
@@ -3716,6 +4247,13 @@
             <a:r>
               <a:rPr lang="en-US" altLang="zh-CN"/>
               <a:t>Rxjava</a:t>
+            </a:r>
+            <a:endParaRPr lang="en-US" altLang="zh-CN"/>
+          </a:p>
+          <a:p>
+            <a:r>
+              <a:rPr lang="en-US" altLang="zh-CN"/>
+              <a:t>   Camera,  Camera2 API</a:t>
             </a:r>
             <a:endParaRPr lang="en-US" altLang="zh-CN"/>
           </a:p>
@@ -3749,15 +4287,20 @@
             <p:ph type="title"/>
           </p:nvPr>
         </p:nvSpPr>
-        <p:spPr/>
-        <p:txBody>
-          <a:bodyPr/>
-          <a:p>
-            <a:r>
-              <a:rPr lang="zh-CN" altLang="en-US"/>
+        <p:spPr>
+          <a:xfrm>
+            <a:off x="838200" y="365125"/>
+            <a:ext cx="3649345" cy="1195705"/>
+          </a:xfrm>
+        </p:spPr>
+        <p:txBody>
+          <a:bodyPr/>
+          <a:p>
+            <a:r>
+              <a:rPr lang="zh-CN" altLang="en-US" sz="4000"/>
               <a:t>学习成果</a:t>
             </a:r>
-            <a:endParaRPr lang="en-US" altLang="zh-CN"/>
+            <a:endParaRPr lang="en-US" altLang="zh-CN" sz="4000"/>
           </a:p>
         </p:txBody>
       </p:sp>
@@ -3777,8 +4320,8 @@
         </p:blipFill>
         <p:spPr>
           <a:xfrm>
-            <a:off x="8209915" y="865505"/>
-            <a:ext cx="3293110" cy="5614670"/>
+            <a:off x="8209915" y="670560"/>
+            <a:ext cx="3293110" cy="5809615"/>
           </a:xfrm>
           <a:prstGeom prst="rect">
             <a:avLst/>
@@ -3801,8 +4344,8 @@
         </p:blipFill>
         <p:spPr>
           <a:xfrm>
-            <a:off x="4723765" y="864870"/>
-            <a:ext cx="3158490" cy="5615940"/>
+            <a:off x="4723765" y="670560"/>
+            <a:ext cx="3158490" cy="5810250"/>
           </a:xfrm>
           <a:prstGeom prst="rect">
             <a:avLst/>
@@ -4006,10 +4549,10 @@
           <a:bodyPr/>
           <a:p>
             <a:r>
-              <a:rPr lang="zh-CN" altLang="en-US"/>
+              <a:rPr lang="zh-CN" altLang="en-US" sz="4000"/>
               <a:t>架构</a:t>
             </a:r>
-            <a:endParaRPr lang="zh-CN" altLang="en-US"/>
+            <a:endParaRPr lang="zh-CN" altLang="en-US" sz="4000"/>
           </a:p>
         </p:txBody>
       </p:sp>
@@ -4597,14 +5140,18 @@
           <a:bodyPr/>
           <a:p>
             <a:r>
-              <a:rPr lang="zh-CN" altLang="en-US"/>
+              <a:rPr lang="zh-CN" altLang="en-US" sz="4000"/>
               <a:t>实现</a:t>
             </a:r>
             <a:r>
-              <a:rPr lang="en-US" altLang="zh-CN"/>
-              <a:t>--Model</a:t>
-            </a:r>
-            <a:endParaRPr lang="en-US" altLang="zh-CN"/>
+              <a:rPr lang="en-US" altLang="zh-CN" sz="4000"/>
+              <a:t>--</a:t>
+            </a:r>
+            <a:r>
+              <a:rPr lang="zh-CN" altLang="en-US" sz="4000"/>
+              <a:t>Model</a:t>
+            </a:r>
+            <a:endParaRPr lang="en-US" altLang="zh-CN" sz="4000"/>
           </a:p>
         </p:txBody>
       </p:sp>
@@ -4731,14 +5278,14 @@
           <a:bodyPr/>
           <a:p>
             <a:r>
-              <a:rPr lang="zh-CN" altLang="en-US"/>
+              <a:rPr lang="zh-CN" altLang="en-US" sz="4000"/>
               <a:t>实现</a:t>
             </a:r>
             <a:r>
-              <a:rPr lang="en-US" altLang="zh-CN"/>
+              <a:rPr lang="en-US" altLang="zh-CN" sz="4000"/>
               <a:t>--View</a:t>
             </a:r>
-            <a:endParaRPr lang="en-US" altLang="zh-CN"/>
+            <a:endParaRPr lang="en-US" altLang="zh-CN" sz="4000"/>
           </a:p>
         </p:txBody>
       </p:sp>
@@ -4821,7 +5368,7 @@
         <p:spPr>
           <a:xfrm>
             <a:off x="838200" y="365125"/>
-            <a:ext cx="10515600" cy="730885"/>
+            <a:ext cx="10515600" cy="626110"/>
           </a:xfrm>
         </p:spPr>
         <p:txBody>
@@ -4843,7 +5390,7 @@
       </p:sp>
       <p:pic>
         <p:nvPicPr>
-          <p:cNvPr id="4" name="图片 3" descr="选区_009"/>
+          <p:cNvPr id="3" name="图片 2" descr="选区_017"/>
           <p:cNvPicPr>
             <a:picLocks noChangeAspect="1"/>
           </p:cNvPicPr>
@@ -4857,8 +5404,8 @@
         </p:blipFill>
         <p:spPr>
           <a:xfrm>
-            <a:off x="2219960" y="1120775"/>
-            <a:ext cx="7752080" cy="5533390"/>
+            <a:off x="2615565" y="1184275"/>
+            <a:ext cx="7590790" cy="5494655"/>
           </a:xfrm>
           <a:prstGeom prst="rect">
             <a:avLst/>
